--- a/课程I/课程I.pptx
+++ b/课程I/课程I.pptx
@@ -12,6 +12,8 @@
     <p:sldId id="260" r:id="rId6"/>
     <p:sldId id="261" r:id="rId7"/>
     <p:sldId id="262" r:id="rId8"/>
+    <p:sldId id="263" r:id="rId9"/>
+    <p:sldId id="264" r:id="rId10"/>
   </p:sldIdLst>
   <p:sldSz cx="12192000" cy="6858000"/>
   <p:notesSz cx="6858000" cy="9144000"/>
@@ -110,6 +112,11 @@
       </a:defRPr>
     </a:lvl9pPr>
   </p:defaultTextStyle>
+  <p:extLst>
+    <p:ext uri="{EFAFB233-063F-42B5-8137-9DF3F51BA10A}">
+      <p15:sldGuideLst xmlns:p15="http://schemas.microsoft.com/office/powerpoint/2012/main"/>
+    </p:ext>
+  </p:extLst>
 </p:presentation>
 </file>
 
@@ -260,7 +267,7 @@
           <a:p>
             <a:fld id="{C7FEFF04-8AA5-4277-8422-75B74F37F6F7}" type="datetimeFigureOut">
               <a:rPr lang="zh-CN" altLang="en-US" smtClean="0"/>
-              <a:t>2021/7/27</a:t>
+              <a:t>2021/7/28</a:t>
             </a:fld>
             <a:endParaRPr lang="zh-CN" altLang="en-US"/>
           </a:p>
@@ -458,7 +465,7 @@
           <a:p>
             <a:fld id="{C7FEFF04-8AA5-4277-8422-75B74F37F6F7}" type="datetimeFigureOut">
               <a:rPr lang="zh-CN" altLang="en-US" smtClean="0"/>
-              <a:t>2021/7/27</a:t>
+              <a:t>2021/7/28</a:t>
             </a:fld>
             <a:endParaRPr lang="zh-CN" altLang="en-US"/>
           </a:p>
@@ -666,7 +673,7 @@
           <a:p>
             <a:fld id="{C7FEFF04-8AA5-4277-8422-75B74F37F6F7}" type="datetimeFigureOut">
               <a:rPr lang="zh-CN" altLang="en-US" smtClean="0"/>
-              <a:t>2021/7/27</a:t>
+              <a:t>2021/7/28</a:t>
             </a:fld>
             <a:endParaRPr lang="zh-CN" altLang="en-US"/>
           </a:p>
@@ -864,7 +871,7 @@
           <a:p>
             <a:fld id="{C7FEFF04-8AA5-4277-8422-75B74F37F6F7}" type="datetimeFigureOut">
               <a:rPr lang="zh-CN" altLang="en-US" smtClean="0"/>
-              <a:t>2021/7/27</a:t>
+              <a:t>2021/7/28</a:t>
             </a:fld>
             <a:endParaRPr lang="zh-CN" altLang="en-US"/>
           </a:p>
@@ -1139,7 +1146,7 @@
           <a:p>
             <a:fld id="{C7FEFF04-8AA5-4277-8422-75B74F37F6F7}" type="datetimeFigureOut">
               <a:rPr lang="zh-CN" altLang="en-US" smtClean="0"/>
-              <a:t>2021/7/27</a:t>
+              <a:t>2021/7/28</a:t>
             </a:fld>
             <a:endParaRPr lang="zh-CN" altLang="en-US"/>
           </a:p>
@@ -1404,7 +1411,7 @@
           <a:p>
             <a:fld id="{C7FEFF04-8AA5-4277-8422-75B74F37F6F7}" type="datetimeFigureOut">
               <a:rPr lang="zh-CN" altLang="en-US" smtClean="0"/>
-              <a:t>2021/7/27</a:t>
+              <a:t>2021/7/28</a:t>
             </a:fld>
             <a:endParaRPr lang="zh-CN" altLang="en-US"/>
           </a:p>
@@ -1816,7 +1823,7 @@
           <a:p>
             <a:fld id="{C7FEFF04-8AA5-4277-8422-75B74F37F6F7}" type="datetimeFigureOut">
               <a:rPr lang="zh-CN" altLang="en-US" smtClean="0"/>
-              <a:t>2021/7/27</a:t>
+              <a:t>2021/7/28</a:t>
             </a:fld>
             <a:endParaRPr lang="zh-CN" altLang="en-US"/>
           </a:p>
@@ -1957,7 +1964,7 @@
           <a:p>
             <a:fld id="{C7FEFF04-8AA5-4277-8422-75B74F37F6F7}" type="datetimeFigureOut">
               <a:rPr lang="zh-CN" altLang="en-US" smtClean="0"/>
-              <a:t>2021/7/27</a:t>
+              <a:t>2021/7/28</a:t>
             </a:fld>
             <a:endParaRPr lang="zh-CN" altLang="en-US"/>
           </a:p>
@@ -2070,7 +2077,7 @@
           <a:p>
             <a:fld id="{C7FEFF04-8AA5-4277-8422-75B74F37F6F7}" type="datetimeFigureOut">
               <a:rPr lang="zh-CN" altLang="en-US" smtClean="0"/>
-              <a:t>2021/7/27</a:t>
+              <a:t>2021/7/28</a:t>
             </a:fld>
             <a:endParaRPr lang="zh-CN" altLang="en-US"/>
           </a:p>
@@ -2381,7 +2388,7 @@
           <a:p>
             <a:fld id="{C7FEFF04-8AA5-4277-8422-75B74F37F6F7}" type="datetimeFigureOut">
               <a:rPr lang="zh-CN" altLang="en-US" smtClean="0"/>
-              <a:t>2021/7/27</a:t>
+              <a:t>2021/7/28</a:t>
             </a:fld>
             <a:endParaRPr lang="zh-CN" altLang="en-US"/>
           </a:p>
@@ -2669,7 +2676,7 @@
           <a:p>
             <a:fld id="{C7FEFF04-8AA5-4277-8422-75B74F37F6F7}" type="datetimeFigureOut">
               <a:rPr lang="zh-CN" altLang="en-US" smtClean="0"/>
-              <a:t>2021/7/27</a:t>
+              <a:t>2021/7/28</a:t>
             </a:fld>
             <a:endParaRPr lang="zh-CN" altLang="en-US"/>
           </a:p>
@@ -2910,7 +2917,7 @@
           <a:p>
             <a:fld id="{C7FEFF04-8AA5-4277-8422-75B74F37F6F7}" type="datetimeFigureOut">
               <a:rPr lang="zh-CN" altLang="en-US" smtClean="0"/>
-              <a:t>2021/7/27</a:t>
+              <a:t>2021/7/28</a:t>
             </a:fld>
             <a:endParaRPr lang="zh-CN" altLang="en-US"/>
           </a:p>
@@ -3501,10 +3508,6 @@
           </a:p>
           <a:p>
             <a:r>
-              <a:rPr lang="zh-CN" altLang="en-US" dirty="0"/>
-              <a:t>通过两线制的</a:t>
-            </a:r>
-            <a:r>
               <a:rPr lang="en-US" altLang="zh-CN" dirty="0"/>
               <a:t>IIC</a:t>
             </a:r>
@@ -3560,13 +3563,13 @@
           <p:nvPr>
             <p:extLst>
               <p:ext uri="{D42A27DB-BD31-4B8C-83A1-F6EECF244321}">
-                <p14:modId xmlns:p14="http://schemas.microsoft.com/office/powerpoint/2010/main" val="4167959122"/>
+                <p14:modId xmlns:p14="http://schemas.microsoft.com/office/powerpoint/2010/main" val="2779423210"/>
               </p:ext>
             </p:extLst>
           </p:nvPr>
         </p:nvGraphicFramePr>
         <p:xfrm>
-          <a:off x="2032000" y="3806072"/>
+          <a:off x="2032000" y="4001294"/>
           <a:ext cx="8128000" cy="1854200"/>
         </p:xfrm>
         <a:graphic>
@@ -4679,16 +4682,12 @@
               <a:rPr lang="zh-CN" altLang="en-US" dirty="0"/>
               <a:t>灯被点亮。</a:t>
             </a:r>
-            <a:endParaRPr lang="en-US" altLang="zh-CN"/>
-          </a:p>
-          <a:p>
-            <a:r>
-              <a:rPr lang="zh-CN" altLang="en-US"/>
-              <a:t>限</a:t>
-            </a:r>
+            <a:endParaRPr lang="en-US" altLang="zh-CN" dirty="0"/>
+          </a:p>
+          <a:p>
             <a:r>
               <a:rPr lang="zh-CN" altLang="en-US" dirty="0"/>
-              <a:t>流电阻可以放在</a:t>
+              <a:t>限流电阻可以放在</a:t>
             </a:r>
             <a:r>
               <a:rPr lang="en-US" altLang="zh-CN" dirty="0"/>
@@ -4713,6 +4712,598 @@
     <p:extLst>
       <p:ext uri="{BB962C8B-B14F-4D97-AF65-F5344CB8AC3E}">
         <p14:creationId xmlns:p14="http://schemas.microsoft.com/office/powerpoint/2010/main" val="306720704"/>
+      </p:ext>
+    </p:extLst>
+  </p:cSld>
+  <p:clrMapOvr>
+    <a:masterClrMapping/>
+  </p:clrMapOvr>
+</p:sld>
+</file>
+
+<file path=ppt/slides/slide8.xml><?xml version="1.0" encoding="utf-8"?>
+<p:sld xmlns:a="http://schemas.openxmlformats.org/drawingml/2006/main" xmlns:r="http://schemas.openxmlformats.org/officeDocument/2006/relationships" xmlns:p="http://schemas.openxmlformats.org/presentationml/2006/main">
+  <p:cSld>
+    <p:spTree>
+      <p:nvGrpSpPr>
+        <p:cNvPr id="1" name=""/>
+        <p:cNvGrpSpPr/>
+        <p:nvPr/>
+      </p:nvGrpSpPr>
+      <p:grpSpPr>
+        <a:xfrm>
+          <a:off x="0" y="0"/>
+          <a:ext cx="0" cy="0"/>
+          <a:chOff x="0" y="0"/>
+          <a:chExt cx="0" cy="0"/>
+        </a:xfrm>
+      </p:grpSpPr>
+      <p:sp>
+        <p:nvSpPr>
+          <p:cNvPr id="2" name="标题 1">
+            <a:extLst>
+              <a:ext uri="{FF2B5EF4-FFF2-40B4-BE49-F238E27FC236}">
+                <a16:creationId xmlns:a16="http://schemas.microsoft.com/office/drawing/2014/main" id="{E7444364-61B2-4EF7-88BA-B0E77BFEF7B9}"/>
+              </a:ext>
+            </a:extLst>
+          </p:cNvPr>
+          <p:cNvSpPr>
+            <a:spLocks noGrp="1"/>
+          </p:cNvSpPr>
+          <p:nvPr>
+            <p:ph type="title"/>
+          </p:nvPr>
+        </p:nvSpPr>
+        <p:spPr/>
+        <p:txBody>
+          <a:bodyPr/>
+          <a:lstStyle/>
+          <a:p>
+            <a:pPr algn="ctr"/>
+            <a:r>
+              <a:rPr lang="en-US" altLang="zh-CN" dirty="0"/>
+              <a:t>RFID</a:t>
+            </a:r>
+            <a:r>
+              <a:rPr lang="zh-CN" altLang="en-US" dirty="0"/>
+              <a:t>射频识别</a:t>
+            </a:r>
+          </a:p>
+        </p:txBody>
+      </p:sp>
+      <p:sp>
+        <p:nvSpPr>
+          <p:cNvPr id="3" name="内容占位符 2">
+            <a:extLst>
+              <a:ext uri="{FF2B5EF4-FFF2-40B4-BE49-F238E27FC236}">
+                <a16:creationId xmlns:a16="http://schemas.microsoft.com/office/drawing/2014/main" id="{639C705D-7941-446D-BA32-7E0BC28D2CA2}"/>
+              </a:ext>
+            </a:extLst>
+          </p:cNvPr>
+          <p:cNvSpPr>
+            <a:spLocks noGrp="1"/>
+          </p:cNvSpPr>
+          <p:nvPr>
+            <p:ph idx="1"/>
+          </p:nvPr>
+        </p:nvSpPr>
+        <p:spPr/>
+        <p:txBody>
+          <a:bodyPr/>
+          <a:lstStyle/>
+          <a:p>
+            <a:r>
+              <a:rPr lang="zh-CN" altLang="en-US" dirty="0"/>
+              <a:t>射频识别即</a:t>
+            </a:r>
+            <a:r>
+              <a:rPr lang="en-US" altLang="zh-CN" dirty="0"/>
+              <a:t>RFID</a:t>
+            </a:r>
+            <a:r>
+              <a:rPr lang="zh-CN" altLang="en-US" dirty="0"/>
+              <a:t>（</a:t>
+            </a:r>
+            <a:r>
+              <a:rPr lang="en-US" altLang="zh-CN" dirty="0"/>
+              <a:t>Radio Frequency Identification</a:t>
+            </a:r>
+            <a:r>
+              <a:rPr lang="zh-CN" altLang="en-US" dirty="0"/>
+              <a:t>）技术，又称无线射频识别，是一种通信技术，可通过无线电讯号识别特定目标并读写相关数据，而无需识别系统与特定目标之间建立机械或光学接触。</a:t>
+            </a:r>
+            <a:endParaRPr lang="en-US" altLang="zh-CN" dirty="0"/>
+          </a:p>
+          <a:p>
+            <a:r>
+              <a:rPr lang="zh-CN" altLang="en-US" dirty="0"/>
+              <a:t>常用的有低频（</a:t>
+            </a:r>
+            <a:r>
+              <a:rPr lang="en-US" altLang="zh-CN" dirty="0"/>
+              <a:t>125k~134.2K</a:t>
+            </a:r>
+            <a:r>
+              <a:rPr lang="zh-CN" altLang="en-US" dirty="0"/>
+              <a:t>）、高频（</a:t>
+            </a:r>
+            <a:r>
+              <a:rPr lang="en-US" altLang="zh-CN" dirty="0"/>
+              <a:t>13.56Mhz</a:t>
+            </a:r>
+            <a:r>
+              <a:rPr lang="zh-CN" altLang="en-US" dirty="0"/>
+              <a:t>）、超高频，微波等技术。</a:t>
+            </a:r>
+            <a:endParaRPr lang="en-US" altLang="zh-CN" dirty="0"/>
+          </a:p>
+          <a:p>
+            <a:r>
+              <a:rPr lang="en-US" altLang="zh-CN" dirty="0"/>
+              <a:t>RFID</a:t>
+            </a:r>
+            <a:r>
+              <a:rPr lang="zh-CN" altLang="en-US" dirty="0"/>
+              <a:t>读写器也分移动式的和固定式的，目前</a:t>
+            </a:r>
+            <a:r>
+              <a:rPr lang="en-US" altLang="zh-CN" dirty="0"/>
+              <a:t>RFID</a:t>
+            </a:r>
+            <a:r>
+              <a:rPr lang="zh-CN" altLang="en-US" dirty="0"/>
+              <a:t>技术应用很广，如：图书馆，门禁系统，食品安全溯源等。</a:t>
+            </a:r>
+          </a:p>
+        </p:txBody>
+      </p:sp>
+    </p:spTree>
+    <p:extLst>
+      <p:ext uri="{BB962C8B-B14F-4D97-AF65-F5344CB8AC3E}">
+        <p14:creationId xmlns:p14="http://schemas.microsoft.com/office/powerpoint/2010/main" val="793729993"/>
+      </p:ext>
+    </p:extLst>
+  </p:cSld>
+  <p:clrMapOvr>
+    <a:masterClrMapping/>
+  </p:clrMapOvr>
+</p:sld>
+</file>
+
+<file path=ppt/slides/slide9.xml><?xml version="1.0" encoding="utf-8"?>
+<p:sld xmlns:a="http://schemas.openxmlformats.org/drawingml/2006/main" xmlns:r="http://schemas.openxmlformats.org/officeDocument/2006/relationships" xmlns:p="http://schemas.openxmlformats.org/presentationml/2006/main">
+  <p:cSld>
+    <p:spTree>
+      <p:nvGrpSpPr>
+        <p:cNvPr id="1" name=""/>
+        <p:cNvGrpSpPr/>
+        <p:nvPr/>
+      </p:nvGrpSpPr>
+      <p:grpSpPr>
+        <a:xfrm>
+          <a:off x="0" y="0"/>
+          <a:ext cx="0" cy="0"/>
+          <a:chOff x="0" y="0"/>
+          <a:chExt cx="0" cy="0"/>
+        </a:xfrm>
+      </p:grpSpPr>
+      <p:sp>
+        <p:nvSpPr>
+          <p:cNvPr id="2" name="标题 1">
+            <a:extLst>
+              <a:ext uri="{FF2B5EF4-FFF2-40B4-BE49-F238E27FC236}">
+                <a16:creationId xmlns:a16="http://schemas.microsoft.com/office/drawing/2014/main" id="{5F51042C-FE9A-4CC5-9B9C-E78B8C8EC9CF}"/>
+              </a:ext>
+            </a:extLst>
+          </p:cNvPr>
+          <p:cNvSpPr>
+            <a:spLocks noGrp="1"/>
+          </p:cNvSpPr>
+          <p:nvPr>
+            <p:ph type="title"/>
+          </p:nvPr>
+        </p:nvSpPr>
+        <p:spPr/>
+        <p:txBody>
+          <a:bodyPr>
+            <a:normAutofit/>
+          </a:bodyPr>
+          <a:lstStyle/>
+          <a:p>
+            <a:r>
+              <a:rPr lang="zh-CN" altLang="en-US" sz="3600" dirty="0"/>
+              <a:t>引脚接法</a:t>
+            </a:r>
+          </a:p>
+        </p:txBody>
+      </p:sp>
+      <p:graphicFrame>
+        <p:nvGraphicFramePr>
+          <p:cNvPr id="4" name="表格 4">
+            <a:extLst>
+              <a:ext uri="{FF2B5EF4-FFF2-40B4-BE49-F238E27FC236}">
+                <a16:creationId xmlns:a16="http://schemas.microsoft.com/office/drawing/2014/main" id="{E6340BFA-C094-43C4-A31B-F1DBCEDCB089}"/>
+              </a:ext>
+            </a:extLst>
+          </p:cNvPr>
+          <p:cNvGraphicFramePr>
+            <a:graphicFrameLocks noGrp="1"/>
+          </p:cNvGraphicFramePr>
+          <p:nvPr>
+            <p:ph idx="1"/>
+            <p:extLst>
+              <p:ext uri="{D42A27DB-BD31-4B8C-83A1-F6EECF244321}">
+                <p14:modId xmlns:p14="http://schemas.microsoft.com/office/powerpoint/2010/main" val="3100148962"/>
+              </p:ext>
+            </p:extLst>
+          </p:nvPr>
+        </p:nvGraphicFramePr>
+        <p:xfrm>
+          <a:off x="838200" y="2276729"/>
+          <a:ext cx="10515600" cy="3337560"/>
+        </p:xfrm>
+        <a:graphic>
+          <a:graphicData uri="http://schemas.openxmlformats.org/drawingml/2006/table">
+            <a:tbl>
+              <a:tblPr firstRow="1" bandRow="1">
+                <a:tableStyleId>{5C22544A-7EE6-4342-B048-85BDC9FD1C3A}</a:tableStyleId>
+              </a:tblPr>
+              <a:tblGrid>
+                <a:gridCol w="5257800">
+                  <a:extLst>
+                    <a:ext uri="{9D8B030D-6E8A-4147-A177-3AD203B41FA5}">
+                      <a16:colId xmlns:a16="http://schemas.microsoft.com/office/drawing/2014/main" val="2893438521"/>
+                    </a:ext>
+                  </a:extLst>
+                </a:gridCol>
+                <a:gridCol w="5257800">
+                  <a:extLst>
+                    <a:ext uri="{9D8B030D-6E8A-4147-A177-3AD203B41FA5}">
+                      <a16:colId xmlns:a16="http://schemas.microsoft.com/office/drawing/2014/main" val="785765674"/>
+                    </a:ext>
+                  </a:extLst>
+                </a:gridCol>
+              </a:tblGrid>
+              <a:tr h="370840">
+                <a:tc>
+                  <a:txBody>
+                    <a:bodyPr/>
+                    <a:lstStyle/>
+                    <a:p>
+                      <a:pPr algn="ctr"/>
+                      <a:r>
+                        <a:rPr lang="en-US" altLang="zh-CN" dirty="0"/>
+                        <a:t>RFID</a:t>
+                      </a:r>
+                      <a:endParaRPr lang="zh-CN" altLang="en-US" dirty="0"/>
+                    </a:p>
+                  </a:txBody>
+                  <a:tcPr/>
+                </a:tc>
+                <a:tc>
+                  <a:txBody>
+                    <a:bodyPr/>
+                    <a:lstStyle/>
+                    <a:p>
+                      <a:pPr algn="ctr"/>
+                      <a:r>
+                        <a:rPr lang="en-US" altLang="zh-CN" dirty="0"/>
+                        <a:t>Arduino</a:t>
+                      </a:r>
+                      <a:endParaRPr lang="zh-CN" altLang="en-US" dirty="0"/>
+                    </a:p>
+                  </a:txBody>
+                  <a:tcPr/>
+                </a:tc>
+                <a:extLst>
+                  <a:ext uri="{0D108BD9-81ED-4DB2-BD59-A6C34878D82A}">
+                    <a16:rowId xmlns:a16="http://schemas.microsoft.com/office/drawing/2014/main" val="3127858474"/>
+                  </a:ext>
+                </a:extLst>
+              </a:tr>
+              <a:tr h="370840">
+                <a:tc>
+                  <a:txBody>
+                    <a:bodyPr/>
+                    <a:lstStyle/>
+                    <a:p>
+                      <a:pPr algn="ctr"/>
+                      <a:r>
+                        <a:rPr lang="en-US" altLang="zh-CN" dirty="0"/>
+                        <a:t>VCC</a:t>
+                      </a:r>
+                      <a:endParaRPr lang="zh-CN" altLang="en-US" dirty="0"/>
+                    </a:p>
+                  </a:txBody>
+                  <a:tcPr/>
+                </a:tc>
+                <a:tc>
+                  <a:txBody>
+                    <a:bodyPr/>
+                    <a:lstStyle/>
+                    <a:p>
+                      <a:pPr algn="ctr"/>
+                      <a:r>
+                        <a:rPr lang="en-US" altLang="zh-CN" dirty="0"/>
+                        <a:t>3.3V</a:t>
+                      </a:r>
+                      <a:endParaRPr lang="zh-CN" altLang="en-US" dirty="0"/>
+                    </a:p>
+                  </a:txBody>
+                  <a:tcPr/>
+                </a:tc>
+                <a:extLst>
+                  <a:ext uri="{0D108BD9-81ED-4DB2-BD59-A6C34878D82A}">
+                    <a16:rowId xmlns:a16="http://schemas.microsoft.com/office/drawing/2014/main" val="1807965880"/>
+                  </a:ext>
+                </a:extLst>
+              </a:tr>
+              <a:tr h="370840">
+                <a:tc>
+                  <a:txBody>
+                    <a:bodyPr/>
+                    <a:lstStyle/>
+                    <a:p>
+                      <a:pPr algn="ctr"/>
+                      <a:r>
+                        <a:rPr lang="en-US" altLang="zh-CN" dirty="0"/>
+                        <a:t>RST</a:t>
+                      </a:r>
+                      <a:endParaRPr lang="zh-CN" altLang="en-US" dirty="0"/>
+                    </a:p>
+                  </a:txBody>
+                  <a:tcPr/>
+                </a:tc>
+                <a:tc>
+                  <a:txBody>
+                    <a:bodyPr/>
+                    <a:lstStyle/>
+                    <a:p>
+                      <a:pPr algn="ctr"/>
+                      <a:r>
+                        <a:rPr lang="en-US" altLang="zh-CN" dirty="0"/>
+                        <a:t>5</a:t>
+                      </a:r>
+                      <a:endParaRPr lang="zh-CN" altLang="en-US" dirty="0"/>
+                    </a:p>
+                  </a:txBody>
+                  <a:tcPr/>
+                </a:tc>
+                <a:extLst>
+                  <a:ext uri="{0D108BD9-81ED-4DB2-BD59-A6C34878D82A}">
+                    <a16:rowId xmlns:a16="http://schemas.microsoft.com/office/drawing/2014/main" val="4182447336"/>
+                  </a:ext>
+                </a:extLst>
+              </a:tr>
+              <a:tr h="370840">
+                <a:tc>
+                  <a:txBody>
+                    <a:bodyPr/>
+                    <a:lstStyle/>
+                    <a:p>
+                      <a:pPr algn="ctr"/>
+                      <a:r>
+                        <a:rPr lang="en-US" altLang="zh-CN" dirty="0"/>
+                        <a:t>GND</a:t>
+                      </a:r>
+                      <a:endParaRPr lang="zh-CN" altLang="en-US" dirty="0"/>
+                    </a:p>
+                  </a:txBody>
+                  <a:tcPr/>
+                </a:tc>
+                <a:tc>
+                  <a:txBody>
+                    <a:bodyPr/>
+                    <a:lstStyle/>
+                    <a:p>
+                      <a:pPr algn="ctr"/>
+                      <a:r>
+                        <a:rPr lang="en-US" altLang="zh-CN" dirty="0"/>
+                        <a:t>GND</a:t>
+                      </a:r>
+                      <a:endParaRPr lang="zh-CN" altLang="en-US" dirty="0"/>
+                    </a:p>
+                  </a:txBody>
+                  <a:tcPr/>
+                </a:tc>
+                <a:extLst>
+                  <a:ext uri="{0D108BD9-81ED-4DB2-BD59-A6C34878D82A}">
+                    <a16:rowId xmlns:a16="http://schemas.microsoft.com/office/drawing/2014/main" val="3312325440"/>
+                  </a:ext>
+                </a:extLst>
+              </a:tr>
+              <a:tr h="370840">
+                <a:tc>
+                  <a:txBody>
+                    <a:bodyPr/>
+                    <a:lstStyle/>
+                    <a:p>
+                      <a:pPr algn="ctr"/>
+                      <a:r>
+                        <a:rPr lang="en-US" altLang="zh-CN" dirty="0"/>
+                        <a:t>MISO</a:t>
+                      </a:r>
+                      <a:endParaRPr lang="zh-CN" altLang="en-US" dirty="0"/>
+                    </a:p>
+                  </a:txBody>
+                  <a:tcPr/>
+                </a:tc>
+                <a:tc>
+                  <a:txBody>
+                    <a:bodyPr/>
+                    <a:lstStyle/>
+                    <a:p>
+                      <a:pPr algn="ctr"/>
+                      <a:r>
+                        <a:rPr lang="en-US" altLang="zh-CN" dirty="0"/>
+                        <a:t>12</a:t>
+                      </a:r>
+                      <a:endParaRPr lang="zh-CN" altLang="en-US" dirty="0"/>
+                    </a:p>
+                  </a:txBody>
+                  <a:tcPr/>
+                </a:tc>
+                <a:extLst>
+                  <a:ext uri="{0D108BD9-81ED-4DB2-BD59-A6C34878D82A}">
+                    <a16:rowId xmlns:a16="http://schemas.microsoft.com/office/drawing/2014/main" val="268867606"/>
+                  </a:ext>
+                </a:extLst>
+              </a:tr>
+              <a:tr h="370840">
+                <a:tc>
+                  <a:txBody>
+                    <a:bodyPr/>
+                    <a:lstStyle/>
+                    <a:p>
+                      <a:pPr algn="ctr"/>
+                      <a:r>
+                        <a:rPr lang="en-US" altLang="zh-CN" dirty="0"/>
+                        <a:t>MOSI</a:t>
+                      </a:r>
+                      <a:endParaRPr lang="zh-CN" altLang="en-US" dirty="0"/>
+                    </a:p>
+                  </a:txBody>
+                  <a:tcPr/>
+                </a:tc>
+                <a:tc>
+                  <a:txBody>
+                    <a:bodyPr/>
+                    <a:lstStyle/>
+                    <a:p>
+                      <a:pPr algn="ctr"/>
+                      <a:r>
+                        <a:rPr lang="en-US" altLang="zh-CN" dirty="0"/>
+                        <a:t>11</a:t>
+                      </a:r>
+                      <a:endParaRPr lang="zh-CN" altLang="en-US" dirty="0"/>
+                    </a:p>
+                  </a:txBody>
+                  <a:tcPr/>
+                </a:tc>
+                <a:extLst>
+                  <a:ext uri="{0D108BD9-81ED-4DB2-BD59-A6C34878D82A}">
+                    <a16:rowId xmlns:a16="http://schemas.microsoft.com/office/drawing/2014/main" val="3632923265"/>
+                  </a:ext>
+                </a:extLst>
+              </a:tr>
+              <a:tr h="370840">
+                <a:tc>
+                  <a:txBody>
+                    <a:bodyPr/>
+                    <a:lstStyle/>
+                    <a:p>
+                      <a:pPr algn="ctr"/>
+                      <a:r>
+                        <a:rPr lang="en-US" altLang="zh-CN" dirty="0"/>
+                        <a:t>SCK</a:t>
+                      </a:r>
+                      <a:endParaRPr lang="zh-CN" altLang="en-US" dirty="0"/>
+                    </a:p>
+                  </a:txBody>
+                  <a:tcPr/>
+                </a:tc>
+                <a:tc>
+                  <a:txBody>
+                    <a:bodyPr/>
+                    <a:lstStyle/>
+                    <a:p>
+                      <a:pPr algn="ctr"/>
+                      <a:r>
+                        <a:rPr lang="en-US" altLang="zh-CN" dirty="0"/>
+                        <a:t>13</a:t>
+                      </a:r>
+                      <a:endParaRPr lang="zh-CN" altLang="en-US" dirty="0"/>
+                    </a:p>
+                  </a:txBody>
+                  <a:tcPr/>
+                </a:tc>
+                <a:extLst>
+                  <a:ext uri="{0D108BD9-81ED-4DB2-BD59-A6C34878D82A}">
+                    <a16:rowId xmlns:a16="http://schemas.microsoft.com/office/drawing/2014/main" val="355293541"/>
+                  </a:ext>
+                </a:extLst>
+              </a:tr>
+              <a:tr h="370840">
+                <a:tc>
+                  <a:txBody>
+                    <a:bodyPr/>
+                    <a:lstStyle/>
+                    <a:p>
+                      <a:pPr algn="ctr"/>
+                      <a:r>
+                        <a:rPr lang="en-US" altLang="zh-CN" dirty="0"/>
+                        <a:t>NSS</a:t>
+                      </a:r>
+                      <a:endParaRPr lang="zh-CN" altLang="en-US" dirty="0"/>
+                    </a:p>
+                  </a:txBody>
+                  <a:tcPr/>
+                </a:tc>
+                <a:tc>
+                  <a:txBody>
+                    <a:bodyPr/>
+                    <a:lstStyle/>
+                    <a:p>
+                      <a:pPr algn="ctr"/>
+                      <a:r>
+                        <a:rPr lang="en-US" altLang="zh-CN" dirty="0"/>
+                        <a:t>10</a:t>
+                      </a:r>
+                      <a:endParaRPr lang="zh-CN" altLang="en-US" dirty="0"/>
+                    </a:p>
+                  </a:txBody>
+                  <a:tcPr/>
+                </a:tc>
+                <a:extLst>
+                  <a:ext uri="{0D108BD9-81ED-4DB2-BD59-A6C34878D82A}">
+                    <a16:rowId xmlns:a16="http://schemas.microsoft.com/office/drawing/2014/main" val="2109966021"/>
+                  </a:ext>
+                </a:extLst>
+              </a:tr>
+              <a:tr h="370840">
+                <a:tc>
+                  <a:txBody>
+                    <a:bodyPr/>
+                    <a:lstStyle/>
+                    <a:p>
+                      <a:pPr algn="ctr"/>
+                      <a:r>
+                        <a:rPr lang="en-US" altLang="zh-CN" dirty="0"/>
+                        <a:t>IRQ</a:t>
+                      </a:r>
+                      <a:r>
+                        <a:rPr lang="zh-CN" altLang="en-US" dirty="0"/>
+                        <a:t>（不接）</a:t>
+                      </a:r>
+                    </a:p>
+                  </a:txBody>
+                  <a:tcPr/>
+                </a:tc>
+                <a:tc>
+                  <a:txBody>
+                    <a:bodyPr/>
+                    <a:lstStyle/>
+                    <a:p>
+                      <a:pPr algn="ctr"/>
+                      <a:endParaRPr lang="zh-CN" altLang="en-US" dirty="0"/>
+                    </a:p>
+                  </a:txBody>
+                  <a:tcPr/>
+                </a:tc>
+                <a:extLst>
+                  <a:ext uri="{0D108BD9-81ED-4DB2-BD59-A6C34878D82A}">
+                    <a16:rowId xmlns:a16="http://schemas.microsoft.com/office/drawing/2014/main" val="2789149864"/>
+                  </a:ext>
+                </a:extLst>
+              </a:tr>
+            </a:tbl>
+          </a:graphicData>
+        </a:graphic>
+      </p:graphicFrame>
+    </p:spTree>
+    <p:extLst>
+      <p:ext uri="{BB962C8B-B14F-4D97-AF65-F5344CB8AC3E}">
+        <p14:creationId xmlns:p14="http://schemas.microsoft.com/office/powerpoint/2010/main" val="4286185117"/>
       </p:ext>
     </p:extLst>
   </p:cSld>
